--- a/Courses/TBMH 5054/Presentations/Week 03/02_02_2015.pptx
+++ b/Courses/TBMH 5054/Presentations/Week 03/02_02_2015.pptx
@@ -21,7 +21,7 @@
     <p:sldId id="280" r:id="rId12"/>
     <p:sldId id="258" r:id="rId13"/>
   </p:sldIdLst>
-  <p:sldSz cx="9144000" cy="6858000" type="screen4x3"/>
+  <p:sldSz cx="9144000" cy="5143500" type="screen16x9"/>
   <p:notesSz cx="6858000" cy="9144000"/>
   <p:defaultTextStyle>
     <a:defPPr>
@@ -203,7 +203,7 @@
           <a:p>
             <a:fld id="{E3E4AC90-6220-A943-9746-A35BA2EB86D8}" type="datetimeFigureOut">
               <a:rPr lang="en-US" smtClean="0"/>
-              <a:t>2/1/15</a:t>
+              <a:t>2/2/15</a:t>
             </a:fld>
             <a:endParaRPr lang="en-US"/>
           </a:p>
@@ -221,8 +221,8 @@
         </p:nvSpPr>
         <p:spPr>
           <a:xfrm>
-            <a:off x="1143000" y="685800"/>
-            <a:ext cx="4572000" cy="3429000"/>
+            <a:off x="381000" y="685800"/>
+            <a:ext cx="6096000" cy="3429000"/>
           </a:xfrm>
           <a:prstGeom prst="rect">
             <a:avLst/>
@@ -498,7 +498,12 @@
             <p:ph type="sldImg"/>
           </p:nvPr>
         </p:nvSpPr>
-        <p:spPr/>
+        <p:spPr>
+          <a:xfrm>
+            <a:off x="381000" y="685800"/>
+            <a:ext cx="6096000" cy="3429000"/>
+          </a:xfrm>
+        </p:spPr>
       </p:sp>
       <p:sp>
         <p:nvSpPr>
@@ -642,8 +647,8 @@
         </p:nvSpPr>
         <p:spPr>
           <a:xfrm>
-            <a:off x="685800" y="2130425"/>
-            <a:ext cx="7772400" cy="1470025"/>
+            <a:off x="685800" y="1597819"/>
+            <a:ext cx="7772400" cy="1102519"/>
           </a:xfrm>
         </p:spPr>
         <p:txBody>
@@ -670,8 +675,8 @@
         </p:nvSpPr>
         <p:spPr>
           <a:xfrm>
-            <a:off x="1371600" y="3886200"/>
-            <a:ext cx="6400800" cy="1752600"/>
+            <a:off x="1371600" y="2914650"/>
+            <a:ext cx="6400800" cy="1314450"/>
           </a:xfrm>
         </p:spPr>
         <p:txBody>
@@ -794,7 +799,7 @@
           <a:p>
             <a:fld id="{5BBC3543-ACB9-0B4D-A83B-41BA6D863D63}" type="datetimeFigureOut">
               <a:rPr lang="en-US" smtClean="0"/>
-              <a:t>2/1/15</a:t>
+              <a:t>2/2/15</a:t>
             </a:fld>
             <a:endParaRPr lang="en-US"/>
           </a:p>
@@ -964,7 +969,7 @@
           <a:p>
             <a:fld id="{5BBC3543-ACB9-0B4D-A83B-41BA6D863D63}" type="datetimeFigureOut">
               <a:rPr lang="en-US" smtClean="0"/>
-              <a:t>2/1/15</a:t>
+              <a:t>2/2/15</a:t>
             </a:fld>
             <a:endParaRPr lang="en-US"/>
           </a:p>
@@ -1054,8 +1059,8 @@
         </p:nvSpPr>
         <p:spPr>
           <a:xfrm>
-            <a:off x="6629400" y="274638"/>
-            <a:ext cx="2057400" cy="5851525"/>
+            <a:off x="6629400" y="205979"/>
+            <a:ext cx="2057400" cy="4388644"/>
           </a:xfrm>
         </p:spPr>
         <p:txBody>
@@ -1082,8 +1087,8 @@
         </p:nvSpPr>
         <p:spPr>
           <a:xfrm>
-            <a:off x="457200" y="274638"/>
-            <a:ext cx="6019800" cy="5851525"/>
+            <a:off x="457200" y="205979"/>
+            <a:ext cx="6019800" cy="4388644"/>
           </a:xfrm>
         </p:spPr>
         <p:txBody>
@@ -1144,7 +1149,7 @@
           <a:p>
             <a:fld id="{5BBC3543-ACB9-0B4D-A83B-41BA6D863D63}" type="datetimeFigureOut">
               <a:rPr lang="en-US" smtClean="0"/>
-              <a:t>2/1/15</a:t>
+              <a:t>2/2/15</a:t>
             </a:fld>
             <a:endParaRPr lang="en-US"/>
           </a:p>
@@ -1314,7 +1319,7 @@
           <a:p>
             <a:fld id="{5BBC3543-ACB9-0B4D-A83B-41BA6D863D63}" type="datetimeFigureOut">
               <a:rPr lang="en-US" smtClean="0"/>
-              <a:t>2/1/15</a:t>
+              <a:t>2/2/15</a:t>
             </a:fld>
             <a:endParaRPr lang="en-US"/>
           </a:p>
@@ -1404,8 +1409,8 @@
         </p:nvSpPr>
         <p:spPr>
           <a:xfrm>
-            <a:off x="722313" y="4406900"/>
-            <a:ext cx="7772400" cy="1362075"/>
+            <a:off x="722313" y="3305176"/>
+            <a:ext cx="7772400" cy="1021556"/>
           </a:xfrm>
         </p:spPr>
         <p:txBody>
@@ -1436,8 +1441,8 @@
         </p:nvSpPr>
         <p:spPr>
           <a:xfrm>
-            <a:off x="722313" y="2906713"/>
-            <a:ext cx="7772400" cy="1500187"/>
+            <a:off x="722313" y="2180035"/>
+            <a:ext cx="7772400" cy="1125140"/>
           </a:xfrm>
         </p:spPr>
         <p:txBody>
@@ -1560,7 +1565,7 @@
           <a:p>
             <a:fld id="{5BBC3543-ACB9-0B4D-A83B-41BA6D863D63}" type="datetimeFigureOut">
               <a:rPr lang="en-US" smtClean="0"/>
-              <a:t>2/1/15</a:t>
+              <a:t>2/2/15</a:t>
             </a:fld>
             <a:endParaRPr lang="en-US"/>
           </a:p>
@@ -1673,8 +1678,8 @@
         </p:nvSpPr>
         <p:spPr>
           <a:xfrm>
-            <a:off x="457200" y="1600200"/>
-            <a:ext cx="4038600" cy="4525963"/>
+            <a:off x="457200" y="1200151"/>
+            <a:ext cx="4038600" cy="3394472"/>
           </a:xfrm>
         </p:spPr>
         <p:txBody>
@@ -1758,8 +1763,8 @@
         </p:nvSpPr>
         <p:spPr>
           <a:xfrm>
-            <a:off x="4648200" y="1600200"/>
-            <a:ext cx="4038600" cy="4525963"/>
+            <a:off x="4648200" y="1200151"/>
+            <a:ext cx="4038600" cy="3394472"/>
           </a:xfrm>
         </p:spPr>
         <p:txBody>
@@ -1848,7 +1853,7 @@
           <a:p>
             <a:fld id="{5BBC3543-ACB9-0B4D-A83B-41BA6D863D63}" type="datetimeFigureOut">
               <a:rPr lang="en-US" smtClean="0"/>
-              <a:t>2/1/15</a:t>
+              <a:t>2/2/15</a:t>
             </a:fld>
             <a:endParaRPr lang="en-US"/>
           </a:p>
@@ -1965,8 +1970,8 @@
         </p:nvSpPr>
         <p:spPr>
           <a:xfrm>
-            <a:off x="457200" y="1535113"/>
-            <a:ext cx="4040188" cy="639762"/>
+            <a:off x="457200" y="1151335"/>
+            <a:ext cx="4040188" cy="479822"/>
           </a:xfrm>
         </p:spPr>
         <p:txBody>
@@ -2030,8 +2035,8 @@
         </p:nvSpPr>
         <p:spPr>
           <a:xfrm>
-            <a:off x="457200" y="2174875"/>
-            <a:ext cx="4040188" cy="3951288"/>
+            <a:off x="457200" y="1631156"/>
+            <a:ext cx="4040188" cy="2963466"/>
           </a:xfrm>
         </p:spPr>
         <p:txBody>
@@ -2115,8 +2120,8 @@
         </p:nvSpPr>
         <p:spPr>
           <a:xfrm>
-            <a:off x="4645025" y="1535113"/>
-            <a:ext cx="4041775" cy="639762"/>
+            <a:off x="4645026" y="1151335"/>
+            <a:ext cx="4041775" cy="479822"/>
           </a:xfrm>
         </p:spPr>
         <p:txBody>
@@ -2180,8 +2185,8 @@
         </p:nvSpPr>
         <p:spPr>
           <a:xfrm>
-            <a:off x="4645025" y="2174875"/>
-            <a:ext cx="4041775" cy="3951288"/>
+            <a:off x="4645026" y="1631156"/>
+            <a:ext cx="4041775" cy="2963466"/>
           </a:xfrm>
         </p:spPr>
         <p:txBody>
@@ -2270,7 +2275,7 @@
           <a:p>
             <a:fld id="{5BBC3543-ACB9-0B4D-A83B-41BA6D863D63}" type="datetimeFigureOut">
               <a:rPr lang="en-US" smtClean="0"/>
-              <a:t>2/1/15</a:t>
+              <a:t>2/2/15</a:t>
             </a:fld>
             <a:endParaRPr lang="en-US"/>
           </a:p>
@@ -2388,7 +2393,7 @@
           <a:p>
             <a:fld id="{5BBC3543-ACB9-0B4D-A83B-41BA6D863D63}" type="datetimeFigureOut">
               <a:rPr lang="en-US" smtClean="0"/>
-              <a:t>2/1/15</a:t>
+              <a:t>2/2/15</a:t>
             </a:fld>
             <a:endParaRPr lang="en-US"/>
           </a:p>
@@ -2483,7 +2488,7 @@
           <a:p>
             <a:fld id="{5BBC3543-ACB9-0B4D-A83B-41BA6D863D63}" type="datetimeFigureOut">
               <a:rPr lang="en-US" smtClean="0"/>
-              <a:t>2/1/15</a:t>
+              <a:t>2/2/15</a:t>
             </a:fld>
             <a:endParaRPr lang="en-US"/>
           </a:p>
@@ -2573,8 +2578,8 @@
         </p:nvSpPr>
         <p:spPr>
           <a:xfrm>
-            <a:off x="457200" y="273050"/>
-            <a:ext cx="3008313" cy="1162050"/>
+            <a:off x="457201" y="204787"/>
+            <a:ext cx="3008313" cy="871538"/>
           </a:xfrm>
         </p:spPr>
         <p:txBody>
@@ -2605,8 +2610,8 @@
         </p:nvSpPr>
         <p:spPr>
           <a:xfrm>
-            <a:off x="3575050" y="273050"/>
-            <a:ext cx="5111750" cy="5853113"/>
+            <a:off x="3575050" y="204788"/>
+            <a:ext cx="5111750" cy="4389835"/>
           </a:xfrm>
         </p:spPr>
         <p:txBody>
@@ -2690,8 +2695,8 @@
         </p:nvSpPr>
         <p:spPr>
           <a:xfrm>
-            <a:off x="457200" y="1435100"/>
-            <a:ext cx="3008313" cy="4691063"/>
+            <a:off x="457201" y="1076326"/>
+            <a:ext cx="3008313" cy="3518297"/>
           </a:xfrm>
         </p:spPr>
         <p:txBody>
@@ -2760,7 +2765,7 @@
           <a:p>
             <a:fld id="{5BBC3543-ACB9-0B4D-A83B-41BA6D863D63}" type="datetimeFigureOut">
               <a:rPr lang="en-US" smtClean="0"/>
-              <a:t>2/1/15</a:t>
+              <a:t>2/2/15</a:t>
             </a:fld>
             <a:endParaRPr lang="en-US"/>
           </a:p>
@@ -2850,8 +2855,8 @@
         </p:nvSpPr>
         <p:spPr>
           <a:xfrm>
-            <a:off x="1792288" y="4800600"/>
-            <a:ext cx="5486400" cy="566738"/>
+            <a:off x="1792288" y="3600450"/>
+            <a:ext cx="5486400" cy="425054"/>
           </a:xfrm>
         </p:spPr>
         <p:txBody>
@@ -2882,8 +2887,8 @@
         </p:nvSpPr>
         <p:spPr>
           <a:xfrm>
-            <a:off x="1792288" y="612775"/>
-            <a:ext cx="5486400" cy="4114800"/>
+            <a:off x="1792288" y="459581"/>
+            <a:ext cx="5486400" cy="3086100"/>
           </a:xfrm>
         </p:spPr>
         <p:txBody>
@@ -2943,8 +2948,8 @@
         </p:nvSpPr>
         <p:spPr>
           <a:xfrm>
-            <a:off x="1792288" y="5367338"/>
-            <a:ext cx="5486400" cy="804862"/>
+            <a:off x="1792288" y="4025503"/>
+            <a:ext cx="5486400" cy="603647"/>
           </a:xfrm>
         </p:spPr>
         <p:txBody>
@@ -3013,7 +3018,7 @@
           <a:p>
             <a:fld id="{5BBC3543-ACB9-0B4D-A83B-41BA6D863D63}" type="datetimeFigureOut">
               <a:rPr lang="en-US" smtClean="0"/>
-              <a:t>2/1/15</a:t>
+              <a:t>2/2/15</a:t>
             </a:fld>
             <a:endParaRPr lang="en-US"/>
           </a:p>
@@ -3111,8 +3116,8 @@
         </p:nvSpPr>
         <p:spPr>
           <a:xfrm>
-            <a:off x="457200" y="274638"/>
-            <a:ext cx="8229600" cy="1143000"/>
+            <a:off x="457200" y="205979"/>
+            <a:ext cx="8229600" cy="857250"/>
           </a:xfrm>
           <a:prstGeom prst="rect">
             <a:avLst/>
@@ -3144,8 +3149,8 @@
         </p:nvSpPr>
         <p:spPr>
           <a:xfrm>
-            <a:off x="457200" y="1600200"/>
-            <a:ext cx="8229600" cy="4525963"/>
+            <a:off x="457200" y="1200151"/>
+            <a:ext cx="8229600" cy="3394472"/>
           </a:xfrm>
           <a:prstGeom prst="rect">
             <a:avLst/>
@@ -3206,8 +3211,8 @@
         </p:nvSpPr>
         <p:spPr>
           <a:xfrm>
-            <a:off x="457200" y="6356350"/>
-            <a:ext cx="2133600" cy="365125"/>
+            <a:off x="457200" y="4767263"/>
+            <a:ext cx="2133600" cy="273844"/>
           </a:xfrm>
           <a:prstGeom prst="rect">
             <a:avLst/>
@@ -3229,7 +3234,7 @@
           <a:p>
             <a:fld id="{5BBC3543-ACB9-0B4D-A83B-41BA6D863D63}" type="datetimeFigureOut">
               <a:rPr lang="en-US" smtClean="0"/>
-              <a:t>2/1/15</a:t>
+              <a:t>2/2/15</a:t>
             </a:fld>
             <a:endParaRPr lang="en-US"/>
           </a:p>
@@ -3247,8 +3252,8 @@
         </p:nvSpPr>
         <p:spPr>
           <a:xfrm>
-            <a:off x="3124200" y="6356350"/>
-            <a:ext cx="2895600" cy="365125"/>
+            <a:off x="3124200" y="4767263"/>
+            <a:ext cx="2895600" cy="273844"/>
           </a:xfrm>
           <a:prstGeom prst="rect">
             <a:avLst/>
@@ -3284,8 +3289,8 @@
         </p:nvSpPr>
         <p:spPr>
           <a:xfrm>
-            <a:off x="6553200" y="6356350"/>
-            <a:ext cx="2133600" cy="365125"/>
+            <a:off x="6553200" y="4767263"/>
+            <a:ext cx="2133600" cy="273844"/>
           </a:xfrm>
           <a:prstGeom prst="rect">
             <a:avLst/>
@@ -3677,13 +3682,13 @@
         </p:nvSpPr>
         <p:spPr>
           <a:xfrm>
-            <a:off x="457200" y="274638"/>
-            <a:ext cx="8229600" cy="709367"/>
+            <a:off x="457200" y="205979"/>
+            <a:ext cx="8229600" cy="532025"/>
           </a:xfrm>
         </p:spPr>
         <p:txBody>
           <a:bodyPr>
-            <a:normAutofit/>
+            <a:normAutofit fontScale="90000"/>
           </a:bodyPr>
           <a:lstStyle/>
           <a:p>
@@ -3720,7 +3725,7 @@
         </p:nvCxnSpPr>
         <p:spPr>
           <a:xfrm>
-            <a:off x="457200" y="926814"/>
+            <a:off x="457200" y="695111"/>
             <a:ext cx="8229600" cy="0"/>
           </a:xfrm>
           <a:prstGeom prst="line">
@@ -3764,7 +3769,7 @@
         <p:spPr/>
         <p:txBody>
           <a:bodyPr>
-            <a:normAutofit/>
+            <a:normAutofit fontScale="92500" lnSpcReduction="20000"/>
           </a:bodyPr>
           <a:lstStyle/>
           <a:p>
@@ -3902,13 +3907,13 @@
         </p:nvSpPr>
         <p:spPr>
           <a:xfrm>
-            <a:off x="457200" y="274638"/>
-            <a:ext cx="8229600" cy="709367"/>
+            <a:off x="457200" y="205979"/>
+            <a:ext cx="8229600" cy="532025"/>
           </a:xfrm>
         </p:spPr>
         <p:txBody>
           <a:bodyPr>
-            <a:normAutofit/>
+            <a:normAutofit fontScale="90000"/>
           </a:bodyPr>
           <a:lstStyle/>
           <a:p>
@@ -3945,7 +3950,7 @@
         </p:nvCxnSpPr>
         <p:spPr>
           <a:xfrm>
-            <a:off x="457200" y="926814"/>
+            <a:off x="457200" y="695111"/>
             <a:ext cx="8229600" cy="0"/>
           </a:xfrm>
           <a:prstGeom prst="line">
@@ -4043,8 +4048,8 @@
         </p:nvSpPr>
         <p:spPr>
           <a:xfrm>
-            <a:off x="457200" y="274638"/>
-            <a:ext cx="8229600" cy="709367"/>
+            <a:off x="457200" y="205979"/>
+            <a:ext cx="8229600" cy="532025"/>
           </a:xfrm>
         </p:spPr>
         <p:txBody>
@@ -4470,7 +4475,7 @@
         </p:nvCxnSpPr>
         <p:spPr>
           <a:xfrm>
-            <a:off x="457200" y="926814"/>
+            <a:off x="457200" y="695111"/>
             <a:ext cx="8229600" cy="0"/>
           </a:xfrm>
           <a:prstGeom prst="line">
@@ -4543,8 +4548,8 @@
         </p:nvSpPr>
         <p:spPr>
           <a:xfrm>
-            <a:off x="457200" y="274638"/>
-            <a:ext cx="8229600" cy="709367"/>
+            <a:off x="457200" y="205979"/>
+            <a:ext cx="8229600" cy="532025"/>
           </a:xfrm>
         </p:spPr>
         <p:txBody>
@@ -4570,7 +4575,7 @@
         </p:nvCxnSpPr>
         <p:spPr>
           <a:xfrm>
-            <a:off x="457200" y="926814"/>
+            <a:off x="457200" y="695111"/>
             <a:ext cx="8229600" cy="0"/>
           </a:xfrm>
           <a:prstGeom prst="line">
@@ -4711,8 +4716,8 @@
         </p:nvSpPr>
         <p:spPr>
           <a:xfrm>
-            <a:off x="457200" y="274638"/>
-            <a:ext cx="8229600" cy="709367"/>
+            <a:off x="457200" y="205979"/>
+            <a:ext cx="8229600" cy="532025"/>
           </a:xfrm>
         </p:spPr>
         <p:txBody>
@@ -4738,7 +4743,7 @@
         </p:nvCxnSpPr>
         <p:spPr>
           <a:xfrm>
-            <a:off x="457200" y="926814"/>
+            <a:off x="457200" y="695111"/>
             <a:ext cx="8229600" cy="0"/>
           </a:xfrm>
           <a:prstGeom prst="line">
@@ -4863,8 +4868,8 @@
         </p:nvSpPr>
         <p:spPr>
           <a:xfrm>
-            <a:off x="457200" y="274638"/>
-            <a:ext cx="8229600" cy="709367"/>
+            <a:off x="457200" y="205979"/>
+            <a:ext cx="8229600" cy="532025"/>
           </a:xfrm>
         </p:spPr>
         <p:txBody>
@@ -4890,7 +4895,7 @@
         </p:nvCxnSpPr>
         <p:spPr>
           <a:xfrm>
-            <a:off x="457200" y="926814"/>
+            <a:off x="457200" y="695111"/>
             <a:ext cx="8229600" cy="0"/>
           </a:xfrm>
           <a:prstGeom prst="line">
@@ -5063,8 +5068,8 @@
         </p:nvSpPr>
         <p:spPr>
           <a:xfrm>
-            <a:off x="457200" y="274638"/>
-            <a:ext cx="8229600" cy="709367"/>
+            <a:off x="457200" y="205979"/>
+            <a:ext cx="8229600" cy="532025"/>
           </a:xfrm>
         </p:spPr>
         <p:txBody>
@@ -5090,7 +5095,7 @@
         </p:nvCxnSpPr>
         <p:spPr>
           <a:xfrm>
-            <a:off x="457200" y="926814"/>
+            <a:off x="457200" y="695111"/>
             <a:ext cx="8229600" cy="0"/>
           </a:xfrm>
           <a:prstGeom prst="line">
@@ -5223,8 +5228,8 @@
         </p:nvSpPr>
         <p:spPr>
           <a:xfrm>
-            <a:off x="457200" y="274638"/>
-            <a:ext cx="8229600" cy="709367"/>
+            <a:off x="457200" y="205979"/>
+            <a:ext cx="8229600" cy="532025"/>
           </a:xfrm>
         </p:spPr>
         <p:txBody>
@@ -5250,7 +5255,7 @@
         </p:nvCxnSpPr>
         <p:spPr>
           <a:xfrm>
-            <a:off x="457200" y="926814"/>
+            <a:off x="457200" y="695111"/>
             <a:ext cx="8229600" cy="0"/>
           </a:xfrm>
           <a:prstGeom prst="line">
@@ -5348,8 +5353,8 @@
         </p:nvSpPr>
         <p:spPr>
           <a:xfrm>
-            <a:off x="457200" y="274638"/>
-            <a:ext cx="8229600" cy="709367"/>
+            <a:off x="457200" y="205979"/>
+            <a:ext cx="8229600" cy="532025"/>
           </a:xfrm>
         </p:spPr>
         <p:txBody>
@@ -5382,7 +5387,7 @@
         </p:nvCxnSpPr>
         <p:spPr>
           <a:xfrm>
-            <a:off x="457200" y="926814"/>
+            <a:off x="457200" y="695111"/>
             <a:ext cx="8229600" cy="0"/>
           </a:xfrm>
           <a:prstGeom prst="line">
@@ -5468,8 +5473,8 @@
         </p:blipFill>
         <p:spPr>
           <a:xfrm>
-            <a:off x="2730500" y="3076222"/>
-            <a:ext cx="3683000" cy="3049941"/>
+            <a:off x="2730500" y="2307167"/>
+            <a:ext cx="3683000" cy="2287456"/>
           </a:xfrm>
           <a:prstGeom prst="rect">
             <a:avLst/>
@@ -5518,8 +5523,8 @@
         </p:nvSpPr>
         <p:spPr>
           <a:xfrm>
-            <a:off x="457200" y="274638"/>
-            <a:ext cx="8229600" cy="709367"/>
+            <a:off x="457200" y="205979"/>
+            <a:ext cx="8229600" cy="532025"/>
           </a:xfrm>
         </p:spPr>
         <p:txBody>
@@ -5552,7 +5557,7 @@
         </p:nvCxnSpPr>
         <p:spPr>
           <a:xfrm>
-            <a:off x="457200" y="926814"/>
+            <a:off x="457200" y="695111"/>
             <a:ext cx="8229600" cy="0"/>
           </a:xfrm>
           <a:prstGeom prst="line">
@@ -5689,8 +5694,8 @@
         </p:nvSpPr>
         <p:spPr>
           <a:xfrm>
-            <a:off x="457200" y="274638"/>
-            <a:ext cx="8229600" cy="709367"/>
+            <a:off x="457200" y="205979"/>
+            <a:ext cx="8229600" cy="532025"/>
           </a:xfrm>
         </p:spPr>
         <p:txBody>
@@ -5720,7 +5725,7 @@
         </p:nvCxnSpPr>
         <p:spPr>
           <a:xfrm>
-            <a:off x="457200" y="926814"/>
+            <a:off x="457200" y="695111"/>
             <a:ext cx="8229600" cy="0"/>
           </a:xfrm>
           <a:prstGeom prst="line">
